--- a/doc/數位設計美學與創意專題.pptx
+++ b/doc/數位設計美學與創意專題.pptx
@@ -288,7 +288,7 @@
                 <a:latin typeface="細明體" panose="02020509000000000000" pitchFamily="49" charset="-120"/>
                 <a:ea typeface="細明體" panose="02020509000000000000" pitchFamily="49" charset="-120"/>
               </a:rPr>
-              <a:t>2021年3月15日</a:t>
+              <a:t>2021年3月16日</a:t>
             </a:fld>
             <a:endParaRPr dirty="0">
               <a:latin typeface="細明體" panose="02020509000000000000" pitchFamily="49" charset="-120"/>
@@ -474,7 +474,7 @@
             <a:fld id="{A0AFF6A3-05A2-43C9-BAC6-E7F777C40D60}" type="datetime2">
               <a:rPr lang="zh-TW" altLang="en-US" smtClean="0"/>
               <a:pPr/>
-              <a:t>2021年3月15日</a:t>
+              <a:t>2021年3月16日</a:t>
             </a:fld>
             <a:endParaRPr lang="zh-TW" altLang="en-US" dirty="0"/>
           </a:p>
@@ -1531,7 +1531,7 @@
             <a:fld id="{DF1CA1B2-0B65-48FF-A4EF-D52F44E0BC0E}" type="datetime2">
               <a:rPr lang="zh-TW" altLang="en-US" smtClean="0"/>
               <a:pPr/>
-              <a:t>2021年3月15日</a:t>
+              <a:t>2021年3月16日</a:t>
             </a:fld>
             <a:endParaRPr lang="en-US" dirty="0"/>
           </a:p>
@@ -1848,7 +1848,7 @@
             <a:fld id="{BD8E3081-8997-4FCC-AA9C-554AF3E1C629}" type="datetime2">
               <a:rPr lang="zh-TW" altLang="en-US" smtClean="0"/>
               <a:pPr/>
-              <a:t>2021年3月15日</a:t>
+              <a:t>2021年3月16日</a:t>
             </a:fld>
             <a:endParaRPr lang="en-US" dirty="0"/>
           </a:p>
@@ -2046,7 +2046,7 @@
             <a:fld id="{BD8E3081-8997-4FCC-AA9C-554AF3E1C629}" type="datetime2">
               <a:rPr lang="zh-TW" altLang="en-US" smtClean="0"/>
               <a:pPr/>
-              <a:t>2021年3月15日</a:t>
+              <a:t>2021年3月16日</a:t>
             </a:fld>
             <a:endParaRPr lang="en-US" dirty="0"/>
           </a:p>
@@ -2313,7 +2313,7 @@
             <a:fld id="{BD8E3081-8997-4FCC-AA9C-554AF3E1C629}" type="datetime2">
               <a:rPr lang="zh-TW" altLang="en-US" smtClean="0"/>
               <a:pPr/>
-              <a:t>2021年3月15日</a:t>
+              <a:t>2021年3月16日</a:t>
             </a:fld>
             <a:endParaRPr lang="en-US" dirty="0"/>
           </a:p>
@@ -2743,7 +2743,7 @@
             <a:fld id="{BD8E3081-8997-4FCC-AA9C-554AF3E1C629}" type="datetime2">
               <a:rPr lang="zh-TW" altLang="en-US" smtClean="0"/>
               <a:pPr/>
-              <a:t>2021年3月15日</a:t>
+              <a:t>2021年3月16日</a:t>
             </a:fld>
             <a:endParaRPr lang="en-US" dirty="0"/>
           </a:p>
@@ -3286,7 +3286,7 @@
             <a:fld id="{BD8E3081-8997-4FCC-AA9C-554AF3E1C629}" type="datetime2">
               <a:rPr lang="zh-TW" altLang="en-US" smtClean="0"/>
               <a:pPr/>
-              <a:t>2021年3月15日</a:t>
+              <a:t>2021年3月16日</a:t>
             </a:fld>
             <a:endParaRPr lang="en-US" dirty="0"/>
           </a:p>
@@ -4156,7 +4156,7 @@
             <a:fld id="{BD8E3081-8997-4FCC-AA9C-554AF3E1C629}" type="datetime2">
               <a:rPr lang="zh-TW" altLang="en-US" smtClean="0"/>
               <a:pPr/>
-              <a:t>2021年3月15日</a:t>
+              <a:t>2021年3月16日</a:t>
             </a:fld>
             <a:endParaRPr lang="en-US" dirty="0"/>
           </a:p>
@@ -4332,7 +4332,7 @@
             <a:fld id="{B690557D-BF90-4EAC-8435-FD0F2293EA9D}" type="datetime2">
               <a:rPr lang="zh-TW" altLang="en-US" smtClean="0"/>
               <a:pPr/>
-              <a:t>2021年3月15日</a:t>
+              <a:t>2021年3月16日</a:t>
             </a:fld>
             <a:endParaRPr lang="en-US" dirty="0"/>
           </a:p>
@@ -4535,7 +4535,7 @@
             <a:fld id="{3A06F219-A01D-46C2-AB8F-66850193113A}" type="datetime2">
               <a:rPr lang="zh-TW" altLang="en-US" smtClean="0"/>
               <a:pPr/>
-              <a:t>2021年3月15日</a:t>
+              <a:t>2021年3月16日</a:t>
             </a:fld>
             <a:endParaRPr lang="en-US" dirty="0"/>
           </a:p>
@@ -4724,7 +4724,7 @@
             <a:fld id="{C7B8F7E0-475E-4A4F-B251-AF4D4B9F823E}" type="datetime2">
               <a:rPr lang="zh-TW" altLang="en-US" smtClean="0"/>
               <a:pPr/>
-              <a:t>2021年3月15日</a:t>
+              <a:t>2021年3月16日</a:t>
             </a:fld>
             <a:endParaRPr lang="en-US" dirty="0"/>
           </a:p>
@@ -4987,7 +4987,7 @@
             <a:fld id="{FCD96140-6517-4429-8245-8048EFFD722F}" type="datetime2">
               <a:rPr lang="zh-TW" altLang="en-US" smtClean="0"/>
               <a:pPr/>
-              <a:t>2021年3月15日</a:t>
+              <a:t>2021年3月16日</a:t>
             </a:fld>
             <a:endParaRPr lang="en-US" dirty="0"/>
           </a:p>
@@ -5242,7 +5242,7 @@
             <a:fld id="{4A214E14-FC91-4A98-BE2C-45A91C87CABA}" type="datetime2">
               <a:rPr lang="zh-TW" altLang="en-US" smtClean="0"/>
               <a:pPr/>
-              <a:t>2021年3月15日</a:t>
+              <a:t>2021年3月16日</a:t>
             </a:fld>
             <a:endParaRPr lang="en-US" dirty="0"/>
           </a:p>
@@ -5727,7 +5727,7 @@
             <a:fld id="{0290FCD0-1450-4EF5-9EB6-93838DB68598}" type="datetime2">
               <a:rPr lang="zh-TW" altLang="en-US" smtClean="0"/>
               <a:pPr/>
-              <a:t>2021年3月15日</a:t>
+              <a:t>2021年3月16日</a:t>
             </a:fld>
             <a:endParaRPr lang="en-US" dirty="0"/>
           </a:p>
@@ -5864,7 +5864,7 @@
             <a:fld id="{73F19C76-1DF4-4157-8E83-99CDD7C5813A}" type="datetime2">
               <a:rPr lang="zh-TW" altLang="en-US" smtClean="0"/>
               <a:pPr/>
-              <a:t>2021年3月15日</a:t>
+              <a:t>2021年3月16日</a:t>
             </a:fld>
             <a:endParaRPr lang="en-US" dirty="0"/>
           </a:p>
@@ -5978,7 +5978,7 @@
             <a:fld id="{D40150BE-B45A-4071-8F2D-10F115658B39}" type="datetime2">
               <a:rPr lang="zh-TW" altLang="en-US" smtClean="0"/>
               <a:pPr/>
-              <a:t>2021年3月15日</a:t>
+              <a:t>2021年3月16日</a:t>
             </a:fld>
             <a:endParaRPr lang="en-US" dirty="0"/>
           </a:p>
@@ -6252,7 +6252,7 @@
             <a:fld id="{BD8E3081-8997-4FCC-AA9C-554AF3E1C629}" type="datetime2">
               <a:rPr lang="zh-TW" altLang="en-US" smtClean="0"/>
               <a:pPr/>
-              <a:t>2021年3月15日</a:t>
+              <a:t>2021年3月16日</a:t>
             </a:fld>
             <a:endParaRPr lang="en-US" dirty="0"/>
           </a:p>
@@ -6558,7 +6558,7 @@
             <a:fld id="{BD8E3081-8997-4FCC-AA9C-554AF3E1C629}" type="datetime2">
               <a:rPr lang="zh-TW" altLang="en-US" smtClean="0"/>
               <a:pPr/>
-              <a:t>2021年3月15日</a:t>
+              <a:t>2021年3月16日</a:t>
             </a:fld>
             <a:endParaRPr lang="en-US" dirty="0"/>
           </a:p>
@@ -6798,7 +6798,7 @@
             <a:fld id="{BD8E3081-8997-4FCC-AA9C-554AF3E1C629}" type="datetime2">
               <a:rPr lang="zh-TW" altLang="en-US" smtClean="0"/>
               <a:pPr/>
-              <a:t>2021年3月15日</a:t>
+              <a:t>2021年3月16日</a:t>
             </a:fld>
             <a:endParaRPr lang="en-US" dirty="0"/>
           </a:p>
@@ -8771,7 +8771,7 @@
                 <a:latin typeface="標楷體" panose="03000509000000000000" pitchFamily="65" charset="-120"/>
                 <a:ea typeface="標楷體" panose="03000509000000000000" pitchFamily="65" charset="-120"/>
               </a:rPr>
-              <a:t>鈔票夾層的增加。</a:t>
+              <a:t>鈔票、卡片夾層的增加。</a:t>
             </a:r>
             <a:endParaRPr lang="en-US" altLang="zh-TW" sz="2200" dirty="0">
               <a:latin typeface="標楷體" panose="03000509000000000000" pitchFamily="65" charset="-120"/>
@@ -9649,13 +9649,13 @@
   <p:clrMapOvr>
     <a:masterClrMapping/>
   </p:clrMapOvr>
-  <mc:AlternateContent xmlns:mc="http://schemas.openxmlformats.org/markup-compatibility/2006">
-    <mc:Choice xmlns:p14="http://schemas.microsoft.com/office/powerpoint/2010/main" Requires="p14">
+  <mc:AlternateContent xmlns:mc="http://schemas.openxmlformats.org/markup-compatibility/2006" xmlns:p14="http://schemas.microsoft.com/office/powerpoint/2010/main">
+    <mc:Choice Requires="p14">
       <p:transition spd="med" p14:dur="700">
         <p:fade/>
       </p:transition>
     </mc:Choice>
-    <mc:Fallback>
+    <mc:Fallback xmlns="">
       <p:transition spd="med">
         <p:fade/>
       </p:transition>
@@ -9813,13 +9813,13 @@
   <p:clrMapOvr>
     <a:masterClrMapping/>
   </p:clrMapOvr>
-  <mc:AlternateContent xmlns:mc="http://schemas.openxmlformats.org/markup-compatibility/2006">
-    <mc:Choice xmlns:p14="http://schemas.microsoft.com/office/powerpoint/2010/main" Requires="p14">
+  <mc:AlternateContent xmlns:mc="http://schemas.openxmlformats.org/markup-compatibility/2006" xmlns:p14="http://schemas.microsoft.com/office/powerpoint/2010/main">
+    <mc:Choice Requires="p14">
       <p:transition spd="med" p14:dur="700">
         <p:fade/>
       </p:transition>
     </mc:Choice>
-    <mc:Fallback>
+    <mc:Fallback xmlns="">
       <p:transition spd="med">
         <p:fade/>
       </p:transition>
@@ -10583,26 +10583,6 @@
 </file>
 
 <file path=customXml/item1.xml><?xml version="1.0" encoding="utf-8"?>
-<?mso-contentType ?>
-<FormTemplates xmlns="http://schemas.microsoft.com/sharepoint/v3/contenttype/forms">
-  <Display>DocumentLibraryForm</Display>
-  <Edit>DocumentLibraryForm</Edit>
-  <New>DocumentLibraryForm</New>
-</FormTemplates>
-</file>
-
-<file path=customXml/item2.xml><?xml version="1.0" encoding="utf-8"?>
-<p:properties xmlns:p="http://schemas.microsoft.com/office/2006/metadata/properties" xmlns:xsi="http://www.w3.org/2001/XMLSchema-instance" xmlns:pc="http://schemas.microsoft.com/office/infopath/2007/PartnerControls">
-  <documentManagement>
-    <VSO_x0020_item_x0020_id xmlns="40262f94-9f35-4ac3-9a90-690165a166b7" xsi:nil="true"/>
-    <Assetid_x0020_ xmlns="40262f94-9f35-4ac3-9a90-690165a166b7" xsi:nil="true"/>
-    <Item_x0020_Details xmlns="40262f94-9f35-4ac3-9a90-690165a166b7" xsi:nil="true"/>
-    <Template_x0020_details xmlns="40262f94-9f35-4ac3-9a90-690165a166b7" xsi:nil="true"/>
-  </documentManagement>
-</p:properties>
-</file>
-
-<file path=customXml/item3.xml><?xml version="1.0" encoding="utf-8"?>
 <ct:contentTypeSchema xmlns:ct="http://schemas.microsoft.com/office/2006/metadata/contentType" xmlns:ma="http://schemas.microsoft.com/office/2006/metadata/properties/metaAttributes" ct:_="" ma:_="" ma:contentTypeName="Document" ma:contentTypeID="0x010100AA3F7D94069FF64A86F7DFF56D60E3BE" ma:contentTypeVersion="6" ma:contentTypeDescription="Create a new document." ma:contentTypeScope="" ma:versionID="c32302c77d4085ecf495bdddb7f5e889">
   <xsd:schema xmlns:xsd="http://www.w3.org/2001/XMLSchema" xmlns:xs="http://www.w3.org/2001/XMLSchema" xmlns:p="http://schemas.microsoft.com/office/2006/metadata/properties" xmlns:ns2="a4f35948-e619-41b3-aa29-22878b09cfd2" xmlns:ns3="40262f94-9f35-4ac3-9a90-690165a166b7" targetNamespace="http://schemas.microsoft.com/office/2006/metadata/properties" ma:root="true" ma:fieldsID="4ab5ae46be95f9d0be6107e8200be7a2" ns2:_="" ns3:_="">
     <xsd:import namespace="a4f35948-e619-41b3-aa29-22878b09cfd2"/>
@@ -10783,10 +10763,41 @@
 </ct:contentTypeSchema>
 </file>
 
+<file path=customXml/item2.xml><?xml version="1.0" encoding="utf-8"?>
+<p:properties xmlns:p="http://schemas.microsoft.com/office/2006/metadata/properties" xmlns:xsi="http://www.w3.org/2001/XMLSchema-instance" xmlns:pc="http://schemas.microsoft.com/office/infopath/2007/PartnerControls">
+  <documentManagement>
+    <VSO_x0020_item_x0020_id xmlns="40262f94-9f35-4ac3-9a90-690165a166b7" xsi:nil="true"/>
+    <Assetid_x0020_ xmlns="40262f94-9f35-4ac3-9a90-690165a166b7" xsi:nil="true"/>
+    <Item_x0020_Details xmlns="40262f94-9f35-4ac3-9a90-690165a166b7" xsi:nil="true"/>
+    <Template_x0020_details xmlns="40262f94-9f35-4ac3-9a90-690165a166b7" xsi:nil="true"/>
+  </documentManagement>
+</p:properties>
+</file>
+
+<file path=customXml/item3.xml><?xml version="1.0" encoding="utf-8"?>
+<?mso-contentType ?>
+<FormTemplates xmlns="http://schemas.microsoft.com/sharepoint/v3/contenttype/forms">
+  <Display>DocumentLibraryForm</Display>
+  <Edit>DocumentLibraryForm</Edit>
+  <New>DocumentLibraryForm</New>
+</FormTemplates>
+</file>
+
 <file path=customXml/itemProps1.xml><?xml version="1.0" encoding="utf-8"?>
-<ds:datastoreItem xmlns:ds="http://schemas.openxmlformats.org/officeDocument/2006/customXml" ds:itemID="{653E1689-1E09-4ADC-A5E7-6718BF79A8A6}">
+<ds:datastoreItem xmlns:ds="http://schemas.openxmlformats.org/officeDocument/2006/customXml" ds:itemID="{7CB30B94-6D3B-4C91-947C-5EB8E8EFFE4F}">
   <ds:schemaRefs>
-    <ds:schemaRef ds:uri="http://schemas.microsoft.com/sharepoint/v3/contenttype/forms"/>
+    <ds:schemaRef ds:uri="http://schemas.microsoft.com/office/2006/metadata/contentType"/>
+    <ds:schemaRef ds:uri="http://schemas.microsoft.com/office/2006/metadata/properties/metaAttributes"/>
+    <ds:schemaRef ds:uri="http://www.w3.org/2001/XMLSchema"/>
+    <ds:schemaRef ds:uri="http://schemas.microsoft.com/office/2006/metadata/properties"/>
+    <ds:schemaRef ds:uri="a4f35948-e619-41b3-aa29-22878b09cfd2"/>
+    <ds:schemaRef ds:uri="40262f94-9f35-4ac3-9a90-690165a166b7"/>
+    <ds:schemaRef ds:uri="http://schemas.microsoft.com/office/2006/documentManagement/types"/>
+    <ds:schemaRef ds:uri="http://schemas.microsoft.com/office/infopath/2007/PartnerControls"/>
+    <ds:schemaRef ds:uri="http://schemas.openxmlformats.org/package/2006/metadata/core-properties"/>
+    <ds:schemaRef ds:uri="http://purl.org/dc/elements/1.1/"/>
+    <ds:schemaRef ds:uri="http://purl.org/dc/terms/"/>
+    <ds:schemaRef ds:uri="http://schemas.microsoft.com/internal/obd"/>
   </ds:schemaRefs>
 </ds:datastoreItem>
 </file>
@@ -10809,20 +10820,9 @@
 </file>
 
 <file path=customXml/itemProps3.xml><?xml version="1.0" encoding="utf-8"?>
-<ds:datastoreItem xmlns:ds="http://schemas.openxmlformats.org/officeDocument/2006/customXml" ds:itemID="{7CB30B94-6D3B-4C91-947C-5EB8E8EFFE4F}">
+<ds:datastoreItem xmlns:ds="http://schemas.openxmlformats.org/officeDocument/2006/customXml" ds:itemID="{653E1689-1E09-4ADC-A5E7-6718BF79A8A6}">
   <ds:schemaRefs>
-    <ds:schemaRef ds:uri="http://schemas.microsoft.com/office/2006/metadata/contentType"/>
-    <ds:schemaRef ds:uri="http://schemas.microsoft.com/office/2006/metadata/properties/metaAttributes"/>
-    <ds:schemaRef ds:uri="http://www.w3.org/2001/XMLSchema"/>
-    <ds:schemaRef ds:uri="http://schemas.microsoft.com/office/2006/metadata/properties"/>
-    <ds:schemaRef ds:uri="a4f35948-e619-41b3-aa29-22878b09cfd2"/>
-    <ds:schemaRef ds:uri="40262f94-9f35-4ac3-9a90-690165a166b7"/>
-    <ds:schemaRef ds:uri="http://schemas.microsoft.com/office/2006/documentManagement/types"/>
-    <ds:schemaRef ds:uri="http://schemas.microsoft.com/office/infopath/2007/PartnerControls"/>
-    <ds:schemaRef ds:uri="http://schemas.openxmlformats.org/package/2006/metadata/core-properties"/>
-    <ds:schemaRef ds:uri="http://purl.org/dc/elements/1.1/"/>
-    <ds:schemaRef ds:uri="http://purl.org/dc/terms/"/>
-    <ds:schemaRef ds:uri="http://schemas.microsoft.com/internal/obd"/>
+    <ds:schemaRef ds:uri="http://schemas.microsoft.com/sharepoint/v3/contenttype/forms"/>
   </ds:schemaRefs>
 </ds:datastoreItem>
 </file>